--- a/API Testing.pptx
+++ b/API Testing.pptx
@@ -28,6 +28,13 @@
     <p:sldId id="276" r:id="rId22"/>
     <p:sldId id="277" r:id="rId23"/>
     <p:sldId id="278" r:id="rId24"/>
+    <p:sldId id="279" r:id="rId25"/>
+    <p:sldId id="280" r:id="rId26"/>
+    <p:sldId id="281" r:id="rId27"/>
+    <p:sldId id="282" r:id="rId28"/>
+    <p:sldId id="283" r:id="rId29"/>
+    <p:sldId id="284" r:id="rId30"/>
+    <p:sldId id="285" r:id="rId31"/>
   </p:sldIdLst>
   <p:sldSz cx="12192000" cy="6858000"/>
   <p:notesSz cx="6858000" cy="9144000"/>
@@ -22812,13 +22819,9 @@
             </a:r>
             <a:r>
               <a:rPr lang="en-US" dirty="0"/>
-              <a:t> indicates that the request body contains JSON data. </a:t>
-            </a:r>
-            <a:r>
-              <a:rPr lang="en-US"/>
-              <a:t>This information helps the server successfully interpret and process the payload.</a:t>
-            </a:r>
-            <a:endParaRPr lang="en-IN"/>
+              <a:t> indicates that the request body contains JSON data. This information helps the server successfully interpret and process the payload.</a:t>
+            </a:r>
+            <a:endParaRPr lang="en-IN" dirty="0"/>
           </a:p>
         </p:txBody>
       </p:sp>
@@ -22826,6 +22829,1008 @@
     <p:extLst>
       <p:ext uri="{BB962C8B-B14F-4D97-AF65-F5344CB8AC3E}">
         <p14:creationId xmlns:p14="http://schemas.microsoft.com/office/powerpoint/2010/main" val="4077090759"/>
+      </p:ext>
+    </p:extLst>
+  </p:cSld>
+  <p:clrMapOvr>
+    <a:masterClrMapping/>
+  </p:clrMapOvr>
+</p:sld>
+</file>
+
+<file path=ppt/slides/slide24.xml><?xml version="1.0" encoding="utf-8"?>
+<p:sld xmlns:a="http://schemas.openxmlformats.org/drawingml/2006/main" xmlns:r="http://schemas.openxmlformats.org/officeDocument/2006/relationships" xmlns:p="http://schemas.openxmlformats.org/presentationml/2006/main">
+  <p:cSld>
+    <p:spTree>
+      <p:nvGrpSpPr>
+        <p:cNvPr id="1" name=""/>
+        <p:cNvGrpSpPr/>
+        <p:nvPr/>
+      </p:nvGrpSpPr>
+      <p:grpSpPr>
+        <a:xfrm>
+          <a:off x="0" y="0"/>
+          <a:ext cx="0" cy="0"/>
+          <a:chOff x="0" y="0"/>
+          <a:chExt cx="0" cy="0"/>
+        </a:xfrm>
+      </p:grpSpPr>
+      <p:sp>
+        <p:nvSpPr>
+          <p:cNvPr id="2" name="Title 1">
+            <a:extLst>
+              <a:ext uri="{FF2B5EF4-FFF2-40B4-BE49-F238E27FC236}">
+                <a16:creationId xmlns:a16="http://schemas.microsoft.com/office/drawing/2014/main" id="{DA0AE454-0F56-C1A6-58C0-7C6E0005BEC5}"/>
+              </a:ext>
+            </a:extLst>
+          </p:cNvPr>
+          <p:cNvSpPr>
+            <a:spLocks noGrp="1"/>
+          </p:cNvSpPr>
+          <p:nvPr>
+            <p:ph type="title"/>
+          </p:nvPr>
+        </p:nvSpPr>
+        <p:spPr/>
+        <p:txBody>
+          <a:bodyPr/>
+          <a:lstStyle/>
+          <a:p>
+            <a:r>
+              <a:rPr lang="en-IN" dirty="0"/>
+              <a:t>Some common http headers </a:t>
+            </a:r>
+          </a:p>
+        </p:txBody>
+      </p:sp>
+      <p:sp>
+        <p:nvSpPr>
+          <p:cNvPr id="3" name="Content Placeholder 2">
+            <a:extLst>
+              <a:ext uri="{FF2B5EF4-FFF2-40B4-BE49-F238E27FC236}">
+                <a16:creationId xmlns:a16="http://schemas.microsoft.com/office/drawing/2014/main" id="{B15CC4D0-1EBE-5E78-378D-152FDA28EF73}"/>
+              </a:ext>
+            </a:extLst>
+          </p:cNvPr>
+          <p:cNvSpPr>
+            <a:spLocks noGrp="1"/>
+          </p:cNvSpPr>
+          <p:nvPr>
+            <p:ph idx="1"/>
+          </p:nvPr>
+        </p:nvSpPr>
+        <p:spPr/>
+        <p:txBody>
+          <a:bodyPr>
+            <a:normAutofit/>
+          </a:bodyPr>
+          <a:lstStyle/>
+          <a:p>
+            <a:r>
+              <a:rPr lang="en-US" dirty="0"/>
+              <a:t>Cookie</a:t>
+            </a:r>
+          </a:p>
+          <a:p>
+            <a:r>
+              <a:rPr lang="en-US" dirty="0"/>
+              <a:t>The client can use the Cookie header to send previously stored cookies back to the server. The server then uses these cookies to associate the request with a specific user or session. This header plays an important role in delivering personalized experiences, as it enables the server to remember a user’s login state or language preference.</a:t>
+            </a:r>
+          </a:p>
+          <a:p>
+            <a:endParaRPr lang="en-US" dirty="0"/>
+          </a:p>
+        </p:txBody>
+      </p:sp>
+    </p:spTree>
+    <p:extLst>
+      <p:ext uri="{BB962C8B-B14F-4D97-AF65-F5344CB8AC3E}">
+        <p14:creationId xmlns:p14="http://schemas.microsoft.com/office/powerpoint/2010/main" val="697216540"/>
+      </p:ext>
+    </p:extLst>
+  </p:cSld>
+  <p:clrMapOvr>
+    <a:masterClrMapping/>
+  </p:clrMapOvr>
+</p:sld>
+</file>
+
+<file path=ppt/slides/slide25.xml><?xml version="1.0" encoding="utf-8"?>
+<p:sld xmlns:a="http://schemas.openxmlformats.org/drawingml/2006/main" xmlns:r="http://schemas.openxmlformats.org/officeDocument/2006/relationships" xmlns:p="http://schemas.openxmlformats.org/presentationml/2006/main">
+  <p:cSld>
+    <p:spTree>
+      <p:nvGrpSpPr>
+        <p:cNvPr id="1" name=""/>
+        <p:cNvGrpSpPr/>
+        <p:nvPr/>
+      </p:nvGrpSpPr>
+      <p:grpSpPr>
+        <a:xfrm>
+          <a:off x="0" y="0"/>
+          <a:ext cx="0" cy="0"/>
+          <a:chOff x="0" y="0"/>
+          <a:chExt cx="0" cy="0"/>
+        </a:xfrm>
+      </p:grpSpPr>
+      <p:sp>
+        <p:nvSpPr>
+          <p:cNvPr id="2" name="Title 1">
+            <a:extLst>
+              <a:ext uri="{FF2B5EF4-FFF2-40B4-BE49-F238E27FC236}">
+                <a16:creationId xmlns:a16="http://schemas.microsoft.com/office/drawing/2014/main" id="{B20CD385-9D12-9A43-414C-6C3F47D15178}"/>
+              </a:ext>
+            </a:extLst>
+          </p:cNvPr>
+          <p:cNvSpPr>
+            <a:spLocks noGrp="1"/>
+          </p:cNvSpPr>
+          <p:nvPr>
+            <p:ph type="title"/>
+          </p:nvPr>
+        </p:nvSpPr>
+        <p:spPr/>
+        <p:txBody>
+          <a:bodyPr/>
+          <a:lstStyle/>
+          <a:p>
+            <a:r>
+              <a:rPr lang="en-IN" dirty="0"/>
+              <a:t>API Response codes</a:t>
+            </a:r>
+          </a:p>
+        </p:txBody>
+      </p:sp>
+      <p:sp>
+        <p:nvSpPr>
+          <p:cNvPr id="3" name="Content Placeholder 2">
+            <a:extLst>
+              <a:ext uri="{FF2B5EF4-FFF2-40B4-BE49-F238E27FC236}">
+                <a16:creationId xmlns:a16="http://schemas.microsoft.com/office/drawing/2014/main" id="{4BE8BEB5-4AAC-EF2C-69CE-4DF362762ECC}"/>
+              </a:ext>
+            </a:extLst>
+          </p:cNvPr>
+          <p:cNvSpPr>
+            <a:spLocks noGrp="1"/>
+          </p:cNvSpPr>
+          <p:nvPr>
+            <p:ph idx="1"/>
+          </p:nvPr>
+        </p:nvSpPr>
+        <p:spPr/>
+        <p:txBody>
+          <a:bodyPr/>
+          <a:lstStyle/>
+          <a:p>
+            <a:r>
+              <a:rPr lang="en-IN" dirty="0"/>
+              <a:t>100 Series</a:t>
+            </a:r>
+          </a:p>
+          <a:p>
+            <a:r>
+              <a:rPr lang="en-IN" dirty="0"/>
+              <a:t>These are temporary responses</a:t>
+            </a:r>
+          </a:p>
+          <a:p>
+            <a:endParaRPr lang="en-IN" dirty="0"/>
+          </a:p>
+          <a:p>
+            <a:pPr algn="l">
+              <a:buFont typeface="Arial" panose="020B0604020202020204" pitchFamily="34" charset="0"/>
+              <a:buChar char="•"/>
+            </a:pPr>
+            <a:r>
+              <a:rPr lang="en-US" b="0" i="0" dirty="0">
+                <a:solidFill>
+                  <a:srgbClr val="3A3A3A"/>
+                </a:solidFill>
+                <a:effectLst/>
+                <a:latin typeface="Source Serif Pro" panose="020F0502020204030204" pitchFamily="18" charset="0"/>
+              </a:rPr>
+              <a:t>100 Continue</a:t>
+            </a:r>
+          </a:p>
+          <a:p>
+            <a:pPr algn="l">
+              <a:buFont typeface="Arial" panose="020B0604020202020204" pitchFamily="34" charset="0"/>
+              <a:buChar char="•"/>
+            </a:pPr>
+            <a:r>
+              <a:rPr lang="en-US" b="0" i="0" dirty="0">
+                <a:solidFill>
+                  <a:srgbClr val="3A3A3A"/>
+                </a:solidFill>
+                <a:effectLst/>
+                <a:latin typeface="Source Serif Pro" panose="020F0502020204030204" pitchFamily="18" charset="0"/>
+              </a:rPr>
+              <a:t>101 Switching Protocols</a:t>
+            </a:r>
+          </a:p>
+          <a:p>
+            <a:pPr algn="l">
+              <a:buFont typeface="Arial" panose="020B0604020202020204" pitchFamily="34" charset="0"/>
+              <a:buChar char="•"/>
+            </a:pPr>
+            <a:r>
+              <a:rPr lang="en-US" b="0" i="0" dirty="0">
+                <a:solidFill>
+                  <a:srgbClr val="3A3A3A"/>
+                </a:solidFill>
+                <a:effectLst/>
+                <a:latin typeface="Source Serif Pro" panose="020F0502020204030204" pitchFamily="18" charset="0"/>
+              </a:rPr>
+              <a:t>102 Processing</a:t>
+            </a:r>
+          </a:p>
+          <a:p>
+            <a:endParaRPr lang="en-IN" dirty="0"/>
+          </a:p>
+          <a:p>
+            <a:endParaRPr lang="en-IN" dirty="0"/>
+          </a:p>
+        </p:txBody>
+      </p:sp>
+    </p:spTree>
+    <p:extLst>
+      <p:ext uri="{BB962C8B-B14F-4D97-AF65-F5344CB8AC3E}">
+        <p14:creationId xmlns:p14="http://schemas.microsoft.com/office/powerpoint/2010/main" val="1525131492"/>
+      </p:ext>
+    </p:extLst>
+  </p:cSld>
+  <p:clrMapOvr>
+    <a:masterClrMapping/>
+  </p:clrMapOvr>
+</p:sld>
+</file>
+
+<file path=ppt/slides/slide26.xml><?xml version="1.0" encoding="utf-8"?>
+<p:sld xmlns:a="http://schemas.openxmlformats.org/drawingml/2006/main" xmlns:r="http://schemas.openxmlformats.org/officeDocument/2006/relationships" xmlns:p="http://schemas.openxmlformats.org/presentationml/2006/main">
+  <p:cSld>
+    <p:spTree>
+      <p:nvGrpSpPr>
+        <p:cNvPr id="1" name=""/>
+        <p:cNvGrpSpPr/>
+        <p:nvPr/>
+      </p:nvGrpSpPr>
+      <p:grpSpPr>
+        <a:xfrm>
+          <a:off x="0" y="0"/>
+          <a:ext cx="0" cy="0"/>
+          <a:chOff x="0" y="0"/>
+          <a:chExt cx="0" cy="0"/>
+        </a:xfrm>
+      </p:grpSpPr>
+      <p:sp>
+        <p:nvSpPr>
+          <p:cNvPr id="2" name="Title 1">
+            <a:extLst>
+              <a:ext uri="{FF2B5EF4-FFF2-40B4-BE49-F238E27FC236}">
+                <a16:creationId xmlns:a16="http://schemas.microsoft.com/office/drawing/2014/main" id="{26CC1BFA-E14F-D714-C5CB-DDE79AAC64A2}"/>
+              </a:ext>
+            </a:extLst>
+          </p:cNvPr>
+          <p:cNvSpPr>
+            <a:spLocks noGrp="1"/>
+          </p:cNvSpPr>
+          <p:nvPr>
+            <p:ph type="title"/>
+          </p:nvPr>
+        </p:nvSpPr>
+        <p:spPr/>
+        <p:txBody>
+          <a:bodyPr/>
+          <a:lstStyle/>
+          <a:p>
+            <a:r>
+              <a:rPr lang="en-IN" dirty="0"/>
+              <a:t>API Response codes</a:t>
+            </a:r>
+          </a:p>
+        </p:txBody>
+      </p:sp>
+      <p:sp>
+        <p:nvSpPr>
+          <p:cNvPr id="3" name="Content Placeholder 2">
+            <a:extLst>
+              <a:ext uri="{FF2B5EF4-FFF2-40B4-BE49-F238E27FC236}">
+                <a16:creationId xmlns:a16="http://schemas.microsoft.com/office/drawing/2014/main" id="{56E23ED6-7517-7B02-80FB-72DCFC1D9857}"/>
+              </a:ext>
+            </a:extLst>
+          </p:cNvPr>
+          <p:cNvSpPr>
+            <a:spLocks noGrp="1"/>
+          </p:cNvSpPr>
+          <p:nvPr>
+            <p:ph idx="1"/>
+          </p:nvPr>
+        </p:nvSpPr>
+        <p:spPr/>
+        <p:txBody>
+          <a:bodyPr/>
+          <a:lstStyle/>
+          <a:p>
+            <a:r>
+              <a:rPr lang="en-IN" dirty="0"/>
+              <a:t>200 Series </a:t>
+            </a:r>
+          </a:p>
+          <a:p>
+            <a:r>
+              <a:rPr lang="en-IN" dirty="0"/>
+              <a:t>Success Codes </a:t>
+            </a:r>
+          </a:p>
+          <a:p>
+            <a:endParaRPr lang="en-IN" dirty="0"/>
+          </a:p>
+          <a:p>
+            <a:pPr algn="l">
+              <a:buFont typeface="Arial" panose="020B0604020202020204" pitchFamily="34" charset="0"/>
+              <a:buChar char="•"/>
+            </a:pPr>
+            <a:r>
+              <a:rPr lang="en-US" b="0" i="0" dirty="0">
+                <a:solidFill>
+                  <a:srgbClr val="3A3A3A"/>
+                </a:solidFill>
+                <a:effectLst/>
+                <a:latin typeface="Source Serif Pro" panose="02040603050405020204" pitchFamily="18" charset="0"/>
+              </a:rPr>
+              <a:t>200 – OK</a:t>
+            </a:r>
+          </a:p>
+          <a:p>
+            <a:pPr algn="l">
+              <a:buFont typeface="Arial" panose="020B0604020202020204" pitchFamily="34" charset="0"/>
+              <a:buChar char="•"/>
+            </a:pPr>
+            <a:r>
+              <a:rPr lang="en-US" b="0" i="0" dirty="0">
+                <a:solidFill>
+                  <a:srgbClr val="3A3A3A"/>
+                </a:solidFill>
+                <a:effectLst/>
+                <a:latin typeface="Source Serif Pro" panose="02040603050405020204" pitchFamily="18" charset="0"/>
+              </a:rPr>
+              <a:t>201 – Created</a:t>
+            </a:r>
+          </a:p>
+          <a:p>
+            <a:pPr algn="l">
+              <a:buFont typeface="Arial" panose="020B0604020202020204" pitchFamily="34" charset="0"/>
+              <a:buChar char="•"/>
+            </a:pPr>
+            <a:r>
+              <a:rPr lang="en-US" b="0" i="0" dirty="0">
+                <a:solidFill>
+                  <a:srgbClr val="3A3A3A"/>
+                </a:solidFill>
+                <a:effectLst/>
+                <a:latin typeface="Source Serif Pro" panose="02040603050405020204" pitchFamily="18" charset="0"/>
+              </a:rPr>
+              <a:t>202 – Accepted</a:t>
+            </a:r>
+          </a:p>
+          <a:p>
+            <a:pPr algn="l">
+              <a:buFont typeface="Arial" panose="020B0604020202020204" pitchFamily="34" charset="0"/>
+              <a:buChar char="•"/>
+            </a:pPr>
+            <a:r>
+              <a:rPr lang="en-US" b="0" i="0" dirty="0">
+                <a:solidFill>
+                  <a:srgbClr val="3A3A3A"/>
+                </a:solidFill>
+                <a:effectLst/>
+                <a:latin typeface="Source Serif Pro" panose="02040603050405020204" pitchFamily="18" charset="0"/>
+              </a:rPr>
+              <a:t>203 – Non-Authoritative Information</a:t>
+            </a:r>
+          </a:p>
+          <a:p>
+            <a:pPr algn="l">
+              <a:buFont typeface="Arial" panose="020B0604020202020204" pitchFamily="34" charset="0"/>
+              <a:buChar char="•"/>
+            </a:pPr>
+            <a:r>
+              <a:rPr lang="en-US" b="0" i="0" dirty="0">
+                <a:solidFill>
+                  <a:srgbClr val="3A3A3A"/>
+                </a:solidFill>
+                <a:effectLst/>
+                <a:latin typeface="Source Serif Pro" panose="02040603050405020204" pitchFamily="18" charset="0"/>
+              </a:rPr>
+              <a:t>204 – No Content</a:t>
+            </a:r>
+          </a:p>
+          <a:p>
+            <a:endParaRPr lang="en-IN" dirty="0"/>
+          </a:p>
+          <a:p>
+            <a:endParaRPr lang="en-IN" dirty="0"/>
+          </a:p>
+        </p:txBody>
+      </p:sp>
+    </p:spTree>
+    <p:extLst>
+      <p:ext uri="{BB962C8B-B14F-4D97-AF65-F5344CB8AC3E}">
+        <p14:creationId xmlns:p14="http://schemas.microsoft.com/office/powerpoint/2010/main" val="915351189"/>
+      </p:ext>
+    </p:extLst>
+  </p:cSld>
+  <p:clrMapOvr>
+    <a:masterClrMapping/>
+  </p:clrMapOvr>
+</p:sld>
+</file>
+
+<file path=ppt/slides/slide27.xml><?xml version="1.0" encoding="utf-8"?>
+<p:sld xmlns:a="http://schemas.openxmlformats.org/drawingml/2006/main" xmlns:r="http://schemas.openxmlformats.org/officeDocument/2006/relationships" xmlns:p="http://schemas.openxmlformats.org/presentationml/2006/main">
+  <p:cSld>
+    <p:spTree>
+      <p:nvGrpSpPr>
+        <p:cNvPr id="1" name=""/>
+        <p:cNvGrpSpPr/>
+        <p:nvPr/>
+      </p:nvGrpSpPr>
+      <p:grpSpPr>
+        <a:xfrm>
+          <a:off x="0" y="0"/>
+          <a:ext cx="0" cy="0"/>
+          <a:chOff x="0" y="0"/>
+          <a:chExt cx="0" cy="0"/>
+        </a:xfrm>
+      </p:grpSpPr>
+      <p:sp>
+        <p:nvSpPr>
+          <p:cNvPr id="2" name="Title 1">
+            <a:extLst>
+              <a:ext uri="{FF2B5EF4-FFF2-40B4-BE49-F238E27FC236}">
+                <a16:creationId xmlns:a16="http://schemas.microsoft.com/office/drawing/2014/main" id="{851E6E50-B8D0-6491-E978-585091D394EC}"/>
+              </a:ext>
+            </a:extLst>
+          </p:cNvPr>
+          <p:cNvSpPr>
+            <a:spLocks noGrp="1"/>
+          </p:cNvSpPr>
+          <p:nvPr>
+            <p:ph type="title"/>
+          </p:nvPr>
+        </p:nvSpPr>
+        <p:spPr/>
+        <p:txBody>
+          <a:bodyPr/>
+          <a:lstStyle/>
+          <a:p>
+            <a:r>
+              <a:rPr lang="en-IN" dirty="0"/>
+              <a:t>API Response codes</a:t>
+            </a:r>
+          </a:p>
+        </p:txBody>
+      </p:sp>
+      <p:sp>
+        <p:nvSpPr>
+          <p:cNvPr id="3" name="Content Placeholder 2">
+            <a:extLst>
+              <a:ext uri="{FF2B5EF4-FFF2-40B4-BE49-F238E27FC236}">
+                <a16:creationId xmlns:a16="http://schemas.microsoft.com/office/drawing/2014/main" id="{99835D59-6CEA-F666-75FC-16AE084F23CD}"/>
+              </a:ext>
+            </a:extLst>
+          </p:cNvPr>
+          <p:cNvSpPr>
+            <a:spLocks noGrp="1"/>
+          </p:cNvSpPr>
+          <p:nvPr>
+            <p:ph idx="1"/>
+          </p:nvPr>
+        </p:nvSpPr>
+        <p:spPr/>
+        <p:txBody>
+          <a:bodyPr/>
+          <a:lstStyle/>
+          <a:p>
+            <a:r>
+              <a:rPr lang="en-IN" dirty="0"/>
+              <a:t>300 Series </a:t>
+            </a:r>
+          </a:p>
+          <a:p>
+            <a:endParaRPr lang="en-IN" dirty="0"/>
+          </a:p>
+          <a:p>
+            <a:r>
+              <a:rPr lang="en-IN" dirty="0" err="1"/>
+              <a:t>Redirectional</a:t>
+            </a:r>
+            <a:r>
+              <a:rPr lang="en-IN" dirty="0"/>
+              <a:t> Codes</a:t>
+            </a:r>
+          </a:p>
+          <a:p>
+            <a:pPr algn="l">
+              <a:buFont typeface="Arial" panose="020B0604020202020204" pitchFamily="34" charset="0"/>
+              <a:buChar char="•"/>
+            </a:pPr>
+            <a:r>
+              <a:rPr lang="en-US" b="0" i="0" dirty="0">
+                <a:solidFill>
+                  <a:srgbClr val="3A3A3A"/>
+                </a:solidFill>
+                <a:effectLst/>
+                <a:latin typeface="Source Serif Pro" panose="02040603050405020204" pitchFamily="18" charset="0"/>
+              </a:rPr>
+              <a:t>300 – Multiple Choices</a:t>
+            </a:r>
+          </a:p>
+          <a:p>
+            <a:pPr algn="l">
+              <a:buFont typeface="Arial" panose="020B0604020202020204" pitchFamily="34" charset="0"/>
+              <a:buChar char="•"/>
+            </a:pPr>
+            <a:r>
+              <a:rPr lang="en-US" b="0" i="0" dirty="0">
+                <a:solidFill>
+                  <a:srgbClr val="3A3A3A"/>
+                </a:solidFill>
+                <a:effectLst/>
+                <a:latin typeface="Source Serif Pro" panose="02040603050405020204" pitchFamily="18" charset="0"/>
+              </a:rPr>
+              <a:t>301 – Moved Permanently</a:t>
+            </a:r>
+          </a:p>
+          <a:p>
+            <a:pPr algn="l">
+              <a:buFont typeface="Arial" panose="020B0604020202020204" pitchFamily="34" charset="0"/>
+              <a:buChar char="•"/>
+            </a:pPr>
+            <a:r>
+              <a:rPr lang="en-US" b="0" i="0" dirty="0">
+                <a:solidFill>
+                  <a:srgbClr val="3A3A3A"/>
+                </a:solidFill>
+                <a:effectLst/>
+                <a:latin typeface="Source Serif Pro" panose="02040603050405020204" pitchFamily="18" charset="0"/>
+              </a:rPr>
+              <a:t>302 – Found</a:t>
+            </a:r>
+          </a:p>
+          <a:p>
+            <a:pPr algn="l">
+              <a:buFont typeface="Arial" panose="020B0604020202020204" pitchFamily="34" charset="0"/>
+              <a:buChar char="•"/>
+            </a:pPr>
+            <a:r>
+              <a:rPr lang="en-US" b="0" i="0" dirty="0">
+                <a:solidFill>
+                  <a:srgbClr val="3A3A3A"/>
+                </a:solidFill>
+                <a:effectLst/>
+                <a:latin typeface="Source Serif Pro" panose="02040603050405020204" pitchFamily="18" charset="0"/>
+              </a:rPr>
+              <a:t>303 – Check Other</a:t>
+            </a:r>
+          </a:p>
+          <a:p>
+            <a:pPr algn="l">
+              <a:buFont typeface="Arial" panose="020B0604020202020204" pitchFamily="34" charset="0"/>
+              <a:buChar char="•"/>
+            </a:pPr>
+            <a:r>
+              <a:rPr lang="en-US" b="0" i="0" dirty="0">
+                <a:solidFill>
+                  <a:srgbClr val="3A3A3A"/>
+                </a:solidFill>
+                <a:effectLst/>
+                <a:latin typeface="Source Serif Pro" panose="02040603050405020204" pitchFamily="18" charset="0"/>
+              </a:rPr>
+              <a:t>304 – Not Modified</a:t>
+            </a:r>
+          </a:p>
+          <a:p>
+            <a:endParaRPr lang="en-IN" dirty="0"/>
+          </a:p>
+        </p:txBody>
+      </p:sp>
+    </p:spTree>
+    <p:extLst>
+      <p:ext uri="{BB962C8B-B14F-4D97-AF65-F5344CB8AC3E}">
+        <p14:creationId xmlns:p14="http://schemas.microsoft.com/office/powerpoint/2010/main" val="2452940182"/>
+      </p:ext>
+    </p:extLst>
+  </p:cSld>
+  <p:clrMapOvr>
+    <a:masterClrMapping/>
+  </p:clrMapOvr>
+</p:sld>
+</file>
+
+<file path=ppt/slides/slide28.xml><?xml version="1.0" encoding="utf-8"?>
+<p:sld xmlns:a="http://schemas.openxmlformats.org/drawingml/2006/main" xmlns:r="http://schemas.openxmlformats.org/officeDocument/2006/relationships" xmlns:p="http://schemas.openxmlformats.org/presentationml/2006/main">
+  <p:cSld>
+    <p:spTree>
+      <p:nvGrpSpPr>
+        <p:cNvPr id="1" name=""/>
+        <p:cNvGrpSpPr/>
+        <p:nvPr/>
+      </p:nvGrpSpPr>
+      <p:grpSpPr>
+        <a:xfrm>
+          <a:off x="0" y="0"/>
+          <a:ext cx="0" cy="0"/>
+          <a:chOff x="0" y="0"/>
+          <a:chExt cx="0" cy="0"/>
+        </a:xfrm>
+      </p:grpSpPr>
+      <p:sp>
+        <p:nvSpPr>
+          <p:cNvPr id="2" name="Title 1">
+            <a:extLst>
+              <a:ext uri="{FF2B5EF4-FFF2-40B4-BE49-F238E27FC236}">
+                <a16:creationId xmlns:a16="http://schemas.microsoft.com/office/drawing/2014/main" id="{613D2FA9-BB63-5BFB-44E0-177C49965B09}"/>
+              </a:ext>
+            </a:extLst>
+          </p:cNvPr>
+          <p:cNvSpPr>
+            <a:spLocks noGrp="1"/>
+          </p:cNvSpPr>
+          <p:nvPr>
+            <p:ph type="title"/>
+          </p:nvPr>
+        </p:nvSpPr>
+        <p:spPr/>
+        <p:txBody>
+          <a:bodyPr/>
+          <a:lstStyle/>
+          <a:p>
+            <a:r>
+              <a:rPr lang="en-IN" dirty="0"/>
+              <a:t>API Response codes</a:t>
+            </a:r>
+          </a:p>
+        </p:txBody>
+      </p:sp>
+      <p:sp>
+        <p:nvSpPr>
+          <p:cNvPr id="3" name="Content Placeholder 2">
+            <a:extLst>
+              <a:ext uri="{FF2B5EF4-FFF2-40B4-BE49-F238E27FC236}">
+                <a16:creationId xmlns:a16="http://schemas.microsoft.com/office/drawing/2014/main" id="{B1390716-5BE2-0C52-224D-0BCBA93BA78D}"/>
+              </a:ext>
+            </a:extLst>
+          </p:cNvPr>
+          <p:cNvSpPr>
+            <a:spLocks noGrp="1"/>
+          </p:cNvSpPr>
+          <p:nvPr>
+            <p:ph idx="1"/>
+          </p:nvPr>
+        </p:nvSpPr>
+        <p:spPr/>
+        <p:txBody>
+          <a:bodyPr>
+            <a:normAutofit lnSpcReduction="10000"/>
+          </a:bodyPr>
+          <a:lstStyle/>
+          <a:p>
+            <a:r>
+              <a:rPr lang="en-IN" dirty="0"/>
+              <a:t>400 Series </a:t>
+            </a:r>
+          </a:p>
+          <a:p>
+            <a:r>
+              <a:rPr lang="en-IN" dirty="0"/>
+              <a:t>Client Side Error</a:t>
+            </a:r>
+          </a:p>
+          <a:p>
+            <a:endParaRPr lang="en-IN" dirty="0"/>
+          </a:p>
+          <a:p>
+            <a:pPr algn="l">
+              <a:buFont typeface="Arial" panose="020B0604020202020204" pitchFamily="34" charset="0"/>
+              <a:buChar char="•"/>
+            </a:pPr>
+            <a:r>
+              <a:rPr lang="en-US" b="0" i="0" dirty="0">
+                <a:solidFill>
+                  <a:srgbClr val="3A3A3A"/>
+                </a:solidFill>
+                <a:effectLst/>
+                <a:latin typeface="Source Serif Pro" panose="02040603050405020204" pitchFamily="18" charset="0"/>
+              </a:rPr>
+              <a:t>400 – Bad Request</a:t>
+            </a:r>
+          </a:p>
+          <a:p>
+            <a:pPr algn="l">
+              <a:buFont typeface="Arial" panose="020B0604020202020204" pitchFamily="34" charset="0"/>
+              <a:buChar char="•"/>
+            </a:pPr>
+            <a:r>
+              <a:rPr lang="en-US" b="0" i="0" dirty="0">
+                <a:solidFill>
+                  <a:srgbClr val="3A3A3A"/>
+                </a:solidFill>
+                <a:effectLst/>
+                <a:latin typeface="Source Serif Pro" panose="02040603050405020204" pitchFamily="18" charset="0"/>
+              </a:rPr>
+              <a:t>401 – </a:t>
+            </a:r>
+            <a:r>
+              <a:rPr lang="en-US" b="0" i="0" dirty="0" err="1">
+                <a:solidFill>
+                  <a:srgbClr val="3A3A3A"/>
+                </a:solidFill>
+                <a:effectLst/>
+                <a:latin typeface="Source Serif Pro" panose="02040603050405020204" pitchFamily="18" charset="0"/>
+              </a:rPr>
+              <a:t>Unauthorised</a:t>
+            </a:r>
+            <a:endParaRPr lang="en-US" b="0" i="0" dirty="0">
+              <a:solidFill>
+                <a:srgbClr val="3A3A3A"/>
+              </a:solidFill>
+              <a:effectLst/>
+              <a:latin typeface="Source Serif Pro" panose="02040603050405020204" pitchFamily="18" charset="0"/>
+            </a:endParaRPr>
+          </a:p>
+          <a:p>
+            <a:pPr algn="l">
+              <a:buFont typeface="Arial" panose="020B0604020202020204" pitchFamily="34" charset="0"/>
+              <a:buChar char="•"/>
+            </a:pPr>
+            <a:r>
+              <a:rPr lang="en-US" b="0" i="0" dirty="0">
+                <a:solidFill>
+                  <a:srgbClr val="3A3A3A"/>
+                </a:solidFill>
+                <a:effectLst/>
+                <a:latin typeface="Source Serif Pro" panose="02040603050405020204" pitchFamily="18" charset="0"/>
+              </a:rPr>
+              <a:t>402 – Payment Required</a:t>
+            </a:r>
+          </a:p>
+          <a:p>
+            <a:pPr algn="l">
+              <a:buFont typeface="Arial" panose="020B0604020202020204" pitchFamily="34" charset="0"/>
+              <a:buChar char="•"/>
+            </a:pPr>
+            <a:r>
+              <a:rPr lang="en-US" b="0" i="0" dirty="0">
+                <a:solidFill>
+                  <a:srgbClr val="3A3A3A"/>
+                </a:solidFill>
+                <a:effectLst/>
+                <a:latin typeface="Source Serif Pro" panose="02040603050405020204" pitchFamily="18" charset="0"/>
+              </a:rPr>
+              <a:t>403 – Forbidden</a:t>
+            </a:r>
+          </a:p>
+          <a:p>
+            <a:pPr algn="l">
+              <a:buFont typeface="Arial" panose="020B0604020202020204" pitchFamily="34" charset="0"/>
+              <a:buChar char="•"/>
+            </a:pPr>
+            <a:r>
+              <a:rPr lang="en-US" b="0" i="0" dirty="0">
+                <a:solidFill>
+                  <a:srgbClr val="3A3A3A"/>
+                </a:solidFill>
+                <a:effectLst/>
+                <a:latin typeface="Source Serif Pro" panose="02040603050405020204" pitchFamily="18" charset="0"/>
+              </a:rPr>
+              <a:t>404 – Not Found</a:t>
+            </a:r>
+          </a:p>
+          <a:p>
+            <a:pPr algn="l">
+              <a:buFont typeface="Arial" panose="020B0604020202020204" pitchFamily="34" charset="0"/>
+              <a:buChar char="•"/>
+            </a:pPr>
+            <a:r>
+              <a:rPr lang="en-US" b="0" i="0" dirty="0">
+                <a:solidFill>
+                  <a:srgbClr val="3A3A3A"/>
+                </a:solidFill>
+                <a:effectLst/>
+                <a:latin typeface="Source Serif Pro" panose="02040603050405020204" pitchFamily="18" charset="0"/>
+              </a:rPr>
+              <a:t>405 – Method Not Allowed</a:t>
+            </a:r>
+          </a:p>
+          <a:p>
+            <a:endParaRPr lang="en-IN" dirty="0"/>
+          </a:p>
+        </p:txBody>
+      </p:sp>
+    </p:spTree>
+    <p:extLst>
+      <p:ext uri="{BB962C8B-B14F-4D97-AF65-F5344CB8AC3E}">
+        <p14:creationId xmlns:p14="http://schemas.microsoft.com/office/powerpoint/2010/main" val="2602830144"/>
+      </p:ext>
+    </p:extLst>
+  </p:cSld>
+  <p:clrMapOvr>
+    <a:masterClrMapping/>
+  </p:clrMapOvr>
+</p:sld>
+</file>
+
+<file path=ppt/slides/slide29.xml><?xml version="1.0" encoding="utf-8"?>
+<p:sld xmlns:a="http://schemas.openxmlformats.org/drawingml/2006/main" xmlns:r="http://schemas.openxmlformats.org/officeDocument/2006/relationships" xmlns:p="http://schemas.openxmlformats.org/presentationml/2006/main">
+  <p:cSld>
+    <p:spTree>
+      <p:nvGrpSpPr>
+        <p:cNvPr id="1" name=""/>
+        <p:cNvGrpSpPr/>
+        <p:nvPr/>
+      </p:nvGrpSpPr>
+      <p:grpSpPr>
+        <a:xfrm>
+          <a:off x="0" y="0"/>
+          <a:ext cx="0" cy="0"/>
+          <a:chOff x="0" y="0"/>
+          <a:chExt cx="0" cy="0"/>
+        </a:xfrm>
+      </p:grpSpPr>
+      <p:sp>
+        <p:nvSpPr>
+          <p:cNvPr id="2" name="Title 1">
+            <a:extLst>
+              <a:ext uri="{FF2B5EF4-FFF2-40B4-BE49-F238E27FC236}">
+                <a16:creationId xmlns:a16="http://schemas.microsoft.com/office/drawing/2014/main" id="{7F91EB7A-79BE-86FA-9160-43C4A7968EA1}"/>
+              </a:ext>
+            </a:extLst>
+          </p:cNvPr>
+          <p:cNvSpPr>
+            <a:spLocks noGrp="1"/>
+          </p:cNvSpPr>
+          <p:nvPr>
+            <p:ph type="title"/>
+          </p:nvPr>
+        </p:nvSpPr>
+        <p:spPr/>
+        <p:txBody>
+          <a:bodyPr/>
+          <a:lstStyle/>
+          <a:p>
+            <a:r>
+              <a:rPr lang="en-IN" dirty="0"/>
+              <a:t>API RESPONSE CODES</a:t>
+            </a:r>
+          </a:p>
+        </p:txBody>
+      </p:sp>
+      <p:sp>
+        <p:nvSpPr>
+          <p:cNvPr id="3" name="Content Placeholder 2">
+            <a:extLst>
+              <a:ext uri="{FF2B5EF4-FFF2-40B4-BE49-F238E27FC236}">
+                <a16:creationId xmlns:a16="http://schemas.microsoft.com/office/drawing/2014/main" id="{D191F69C-3CD7-EFC3-09E5-97FF67993D5D}"/>
+              </a:ext>
+            </a:extLst>
+          </p:cNvPr>
+          <p:cNvSpPr>
+            <a:spLocks noGrp="1"/>
+          </p:cNvSpPr>
+          <p:nvPr>
+            <p:ph idx="1"/>
+          </p:nvPr>
+        </p:nvSpPr>
+        <p:spPr/>
+        <p:txBody>
+          <a:bodyPr/>
+          <a:lstStyle/>
+          <a:p>
+            <a:r>
+              <a:rPr lang="en-IN" dirty="0"/>
+              <a:t>These are Server side Error </a:t>
+            </a:r>
+          </a:p>
+          <a:p>
+            <a:endParaRPr lang="en-IN" dirty="0"/>
+          </a:p>
+          <a:p>
+            <a:pPr algn="l">
+              <a:buFont typeface="Arial" panose="020B0604020202020204" pitchFamily="34" charset="0"/>
+              <a:buChar char="•"/>
+            </a:pPr>
+            <a:r>
+              <a:rPr lang="en-US" b="0" i="0" dirty="0">
+                <a:solidFill>
+                  <a:srgbClr val="3A3A3A"/>
+                </a:solidFill>
+                <a:effectLst/>
+                <a:latin typeface="Source Serif Pro" panose="02040603050405020204" pitchFamily="18" charset="0"/>
+              </a:rPr>
+              <a:t>500 – Internal Server Error</a:t>
+            </a:r>
+          </a:p>
+          <a:p>
+            <a:pPr algn="l">
+              <a:buFont typeface="Arial" panose="020B0604020202020204" pitchFamily="34" charset="0"/>
+              <a:buChar char="•"/>
+            </a:pPr>
+            <a:r>
+              <a:rPr lang="en-US" b="0" i="0" dirty="0">
+                <a:solidFill>
+                  <a:srgbClr val="3A3A3A"/>
+                </a:solidFill>
+                <a:effectLst/>
+                <a:latin typeface="Source Serif Pro" panose="02040603050405020204" pitchFamily="18" charset="0"/>
+              </a:rPr>
+              <a:t>501 – Not Implemented</a:t>
+            </a:r>
+          </a:p>
+          <a:p>
+            <a:pPr algn="l">
+              <a:buFont typeface="Arial" panose="020B0604020202020204" pitchFamily="34" charset="0"/>
+              <a:buChar char="•"/>
+            </a:pPr>
+            <a:r>
+              <a:rPr lang="en-US" b="0" i="0" dirty="0">
+                <a:solidFill>
+                  <a:srgbClr val="3A3A3A"/>
+                </a:solidFill>
+                <a:effectLst/>
+                <a:latin typeface="Source Serif Pro" panose="02040603050405020204" pitchFamily="18" charset="0"/>
+              </a:rPr>
+              <a:t>502 – Bad Gateway</a:t>
+            </a:r>
+          </a:p>
+          <a:p>
+            <a:pPr algn="l">
+              <a:buFont typeface="Arial" panose="020B0604020202020204" pitchFamily="34" charset="0"/>
+              <a:buChar char="•"/>
+            </a:pPr>
+            <a:r>
+              <a:rPr lang="en-US" b="0" i="0" dirty="0">
+                <a:solidFill>
+                  <a:srgbClr val="3A3A3A"/>
+                </a:solidFill>
+                <a:effectLst/>
+                <a:latin typeface="Source Serif Pro" panose="02040603050405020204" pitchFamily="18" charset="0"/>
+              </a:rPr>
+              <a:t>503 – Service Unavailable</a:t>
+            </a:r>
+          </a:p>
+          <a:p>
+            <a:pPr algn="l">
+              <a:buFont typeface="Arial" panose="020B0604020202020204" pitchFamily="34" charset="0"/>
+              <a:buChar char="•"/>
+            </a:pPr>
+            <a:r>
+              <a:rPr lang="en-US" b="0" i="0" u="none" strike="noStrike" dirty="0">
+                <a:solidFill>
+                  <a:srgbClr val="ED0000"/>
+                </a:solidFill>
+                <a:effectLst/>
+                <a:latin typeface="Source Serif Pro" panose="02040603050405020204" pitchFamily="18" charset="0"/>
+                <a:hlinkClick r:id="rId2"/>
+              </a:rPr>
+              <a:t>504 – Gateway Timeout</a:t>
+            </a:r>
+            <a:endParaRPr lang="en-US" b="0" i="0" dirty="0">
+              <a:solidFill>
+                <a:srgbClr val="3A3A3A"/>
+              </a:solidFill>
+              <a:effectLst/>
+              <a:latin typeface="Source Serif Pro" panose="02040603050405020204" pitchFamily="18" charset="0"/>
+            </a:endParaRPr>
+          </a:p>
+          <a:p>
+            <a:endParaRPr lang="en-IN" dirty="0"/>
+          </a:p>
+        </p:txBody>
+      </p:sp>
+    </p:spTree>
+    <p:extLst>
+      <p:ext uri="{BB962C8B-B14F-4D97-AF65-F5344CB8AC3E}">
+        <p14:creationId xmlns:p14="http://schemas.microsoft.com/office/powerpoint/2010/main" val="3111118601"/>
       </p:ext>
     </p:extLst>
   </p:cSld>
@@ -22913,6 +23918,93 @@
     <p:extLst>
       <p:ext uri="{BB962C8B-B14F-4D97-AF65-F5344CB8AC3E}">
         <p14:creationId xmlns:p14="http://schemas.microsoft.com/office/powerpoint/2010/main" val="1522164381"/>
+      </p:ext>
+    </p:extLst>
+  </p:cSld>
+  <p:clrMapOvr>
+    <a:masterClrMapping/>
+  </p:clrMapOvr>
+</p:sld>
+</file>
+
+<file path=ppt/slides/slide30.xml><?xml version="1.0" encoding="utf-8"?>
+<p:sld xmlns:a="http://schemas.openxmlformats.org/drawingml/2006/main" xmlns:r="http://schemas.openxmlformats.org/officeDocument/2006/relationships" xmlns:p="http://schemas.openxmlformats.org/presentationml/2006/main">
+  <p:cSld>
+    <p:spTree>
+      <p:nvGrpSpPr>
+        <p:cNvPr id="1" name=""/>
+        <p:cNvGrpSpPr/>
+        <p:nvPr/>
+      </p:nvGrpSpPr>
+      <p:grpSpPr>
+        <a:xfrm>
+          <a:off x="0" y="0"/>
+          <a:ext cx="0" cy="0"/>
+          <a:chOff x="0" y="0"/>
+          <a:chExt cx="0" cy="0"/>
+        </a:xfrm>
+      </p:grpSpPr>
+      <p:sp>
+        <p:nvSpPr>
+          <p:cNvPr id="2" name="Title 1">
+            <a:extLst>
+              <a:ext uri="{FF2B5EF4-FFF2-40B4-BE49-F238E27FC236}">
+                <a16:creationId xmlns:a16="http://schemas.microsoft.com/office/drawing/2014/main" id="{A7594665-884E-E4F5-181E-B49891C15F63}"/>
+              </a:ext>
+            </a:extLst>
+          </p:cNvPr>
+          <p:cNvSpPr>
+            <a:spLocks noGrp="1"/>
+          </p:cNvSpPr>
+          <p:nvPr>
+            <p:ph type="title"/>
+          </p:nvPr>
+        </p:nvSpPr>
+        <p:spPr/>
+        <p:txBody>
+          <a:bodyPr/>
+          <a:lstStyle/>
+          <a:p>
+            <a:r>
+              <a:rPr lang="en-IN" dirty="0"/>
+              <a:t>HTTP METHODS</a:t>
+            </a:r>
+          </a:p>
+        </p:txBody>
+      </p:sp>
+      <p:pic>
+        <p:nvPicPr>
+          <p:cNvPr id="5" name="Content Placeholder 4">
+            <a:extLst>
+              <a:ext uri="{FF2B5EF4-FFF2-40B4-BE49-F238E27FC236}">
+                <a16:creationId xmlns:a16="http://schemas.microsoft.com/office/drawing/2014/main" id="{3E7C661B-12CF-4BA5-3D5F-E87235844F02}"/>
+              </a:ext>
+            </a:extLst>
+          </p:cNvPr>
+          <p:cNvPicPr>
+            <a:picLocks noGrp="1" noChangeAspect="1"/>
+          </p:cNvPicPr>
+          <p:nvPr>
+            <p:ph idx="1"/>
+          </p:nvPr>
+        </p:nvPicPr>
+        <p:blipFill>
+          <a:blip r:embed="rId2"/>
+          <a:stretch>
+            <a:fillRect/>
+          </a:stretch>
+        </p:blipFill>
+        <p:spPr>
+          <a:xfrm>
+            <a:off x="1158241" y="2001520"/>
+            <a:ext cx="8878942" cy="4067583"/>
+          </a:xfrm>
+        </p:spPr>
+      </p:pic>
+    </p:spTree>
+    <p:extLst>
+      <p:ext uri="{BB962C8B-B14F-4D97-AF65-F5344CB8AC3E}">
+        <p14:creationId xmlns:p14="http://schemas.microsoft.com/office/powerpoint/2010/main" val="2378573116"/>
       </p:ext>
     </p:extLst>
   </p:cSld>
